--- a/ipv6-nginx.pptx
+++ b/ipv6-nginx.pptx
@@ -135,6 +135,22 @@
       </a:defRPr>
     </a:lvl9pPr>
   </p:defaultTextStyle>
+  <p:extLst>
+    <p:ext uri="{EFAFB233-063F-42B5-8137-9DF3F51BA10A}">
+      <p15:sldGuideLst xmlns:p15="http://schemas.microsoft.com/office/powerpoint/2012/main">
+        <p15:guide id="1" orient="horz" pos="2160">
+          <p15:clr>
+            <a:srgbClr val="A4A3A4"/>
+          </p15:clr>
+        </p15:guide>
+        <p15:guide id="2" pos="2880">
+          <p15:clr>
+            <a:srgbClr val="A4A3A4"/>
+          </p15:clr>
+        </p15:guide>
+      </p15:sldGuideLst>
+    </p:ext>
+  </p:extLst>
 </p:presentation>
 </file>
 
@@ -320,7 +336,7 @@
             <a:fld id="{4916487B-7C96-46B7-92CA-BC4AF96EE678}" type="datetimeFigureOut">
               <a:rPr lang="zh-CN" altLang="en-US" smtClean="0"/>
               <a:pPr/>
-              <a:t>2018-7-11</a:t>
+              <a:t>2018/7/16</a:t>
             </a:fld>
             <a:endParaRPr lang="zh-CN" altLang="en-US"/>
           </a:p>
@@ -487,7 +503,7 @@
             <a:fld id="{4916487B-7C96-46B7-92CA-BC4AF96EE678}" type="datetimeFigureOut">
               <a:rPr lang="zh-CN" altLang="en-US" smtClean="0"/>
               <a:pPr/>
-              <a:t>2018-7-11</a:t>
+              <a:t>2018/7/16</a:t>
             </a:fld>
             <a:endParaRPr lang="zh-CN" altLang="en-US"/>
           </a:p>
@@ -664,7 +680,7 @@
             <a:fld id="{4916487B-7C96-46B7-92CA-BC4AF96EE678}" type="datetimeFigureOut">
               <a:rPr lang="zh-CN" altLang="en-US" smtClean="0"/>
               <a:pPr/>
-              <a:t>2018-7-11</a:t>
+              <a:t>2018/7/16</a:t>
             </a:fld>
             <a:endParaRPr lang="zh-CN" altLang="en-US"/>
           </a:p>
@@ -831,7 +847,7 @@
             <a:fld id="{4916487B-7C96-46B7-92CA-BC4AF96EE678}" type="datetimeFigureOut">
               <a:rPr lang="zh-CN" altLang="en-US" smtClean="0"/>
               <a:pPr/>
-              <a:t>2018-7-11</a:t>
+              <a:t>2018/7/16</a:t>
             </a:fld>
             <a:endParaRPr lang="zh-CN" altLang="en-US"/>
           </a:p>
@@ -1074,7 +1090,7 @@
             <a:fld id="{4916487B-7C96-46B7-92CA-BC4AF96EE678}" type="datetimeFigureOut">
               <a:rPr lang="zh-CN" altLang="en-US" smtClean="0"/>
               <a:pPr/>
-              <a:t>2018-7-11</a:t>
+              <a:t>2018/7/16</a:t>
             </a:fld>
             <a:endParaRPr lang="zh-CN" altLang="en-US"/>
           </a:p>
@@ -1359,7 +1375,7 @@
             <a:fld id="{4916487B-7C96-46B7-92CA-BC4AF96EE678}" type="datetimeFigureOut">
               <a:rPr lang="zh-CN" altLang="en-US" smtClean="0"/>
               <a:pPr/>
-              <a:t>2018-7-11</a:t>
+              <a:t>2018/7/16</a:t>
             </a:fld>
             <a:endParaRPr lang="zh-CN" altLang="en-US"/>
           </a:p>
@@ -1778,7 +1794,7 @@
             <a:fld id="{4916487B-7C96-46B7-92CA-BC4AF96EE678}" type="datetimeFigureOut">
               <a:rPr lang="zh-CN" altLang="en-US" smtClean="0"/>
               <a:pPr/>
-              <a:t>2018-7-11</a:t>
+              <a:t>2018/7/16</a:t>
             </a:fld>
             <a:endParaRPr lang="zh-CN" altLang="en-US"/>
           </a:p>
@@ -1893,7 +1909,7 @@
             <a:fld id="{4916487B-7C96-46B7-92CA-BC4AF96EE678}" type="datetimeFigureOut">
               <a:rPr lang="zh-CN" altLang="en-US" smtClean="0"/>
               <a:pPr/>
-              <a:t>2018-7-11</a:t>
+              <a:t>2018/7/16</a:t>
             </a:fld>
             <a:endParaRPr lang="zh-CN" altLang="en-US"/>
           </a:p>
@@ -1985,7 +2001,7 @@
             <a:fld id="{4916487B-7C96-46B7-92CA-BC4AF96EE678}" type="datetimeFigureOut">
               <a:rPr lang="zh-CN" altLang="en-US" smtClean="0"/>
               <a:pPr/>
-              <a:t>2018-7-11</a:t>
+              <a:t>2018/7/16</a:t>
             </a:fld>
             <a:endParaRPr lang="zh-CN" altLang="en-US"/>
           </a:p>
@@ -2259,7 +2275,7 @@
             <a:fld id="{4916487B-7C96-46B7-92CA-BC4AF96EE678}" type="datetimeFigureOut">
               <a:rPr lang="zh-CN" altLang="en-US" smtClean="0"/>
               <a:pPr/>
-              <a:t>2018-7-11</a:t>
+              <a:t>2018/7/16</a:t>
             </a:fld>
             <a:endParaRPr lang="zh-CN" altLang="en-US"/>
           </a:p>
@@ -2509,7 +2525,7 @@
             <a:fld id="{4916487B-7C96-46B7-92CA-BC4AF96EE678}" type="datetimeFigureOut">
               <a:rPr lang="zh-CN" altLang="en-US" smtClean="0"/>
               <a:pPr/>
-              <a:t>2018-7-11</a:t>
+              <a:t>2018/7/16</a:t>
             </a:fld>
             <a:endParaRPr lang="zh-CN" altLang="en-US"/>
           </a:p>
@@ -2719,7 +2735,7 @@
             <a:fld id="{4916487B-7C96-46B7-92CA-BC4AF96EE678}" type="datetimeFigureOut">
               <a:rPr lang="zh-CN" altLang="en-US" smtClean="0"/>
               <a:pPr/>
-              <a:t>2018-7-11</a:t>
+              <a:t>2018/7/16</a:t>
             </a:fld>
             <a:endParaRPr lang="zh-CN" altLang="en-US"/>
           </a:p>
@@ -3132,7 +3148,47 @@
           <a:bodyPr/>
           <a:lstStyle/>
           <a:p>
-            <a:endParaRPr lang="zh-CN" altLang="en-US"/>
+            <a:r>
+              <a:rPr lang="zh-CN" altLang="en-US" dirty="0">
+                <a:solidFill>
+                  <a:schemeClr val="tx2"/>
+                </a:solidFill>
+              </a:rPr>
+              <a:t>中国科学技术大学</a:t>
+            </a:r>
+            <a:endParaRPr lang="en-US" altLang="zh-CN" dirty="0">
+              <a:solidFill>
+                <a:schemeClr val="tx2"/>
+              </a:solidFill>
+            </a:endParaRPr>
+          </a:p>
+          <a:p>
+            <a:r>
+              <a:rPr lang="zh-CN" altLang="en-US" dirty="0">
+                <a:solidFill>
+                  <a:schemeClr val="tx2"/>
+                </a:solidFill>
+              </a:rPr>
+              <a:t>网络信息中心</a:t>
+            </a:r>
+            <a:endParaRPr lang="en-US" altLang="zh-CN" dirty="0">
+              <a:solidFill>
+                <a:schemeClr val="tx2"/>
+              </a:solidFill>
+            </a:endParaRPr>
+          </a:p>
+          <a:p>
+            <a:r>
+              <a:rPr lang="zh-CN" altLang="en-US" dirty="0">
+                <a:solidFill>
+                  <a:schemeClr val="tx2"/>
+                </a:solidFill>
+              </a:rPr>
+              <a:t>张焕杰</a:t>
+            </a:r>
+          </a:p>
+          <a:p>
+            <a:endParaRPr lang="zh-CN" altLang="en-US" dirty="0"/>
           </a:p>
         </p:txBody>
       </p:sp>
@@ -3346,11 +3402,7 @@
             </a:r>
             <a:r>
               <a:rPr lang="zh-CN" altLang="en-US" dirty="0" smtClean="0"/>
-              <a:t>可以选择从</a:t>
-            </a:r>
-            <a:r>
-              <a:rPr lang="zh-CN" altLang="en-US" dirty="0" smtClean="0"/>
-              <a:t>光盘或硬盘启动，默认是硬盘启动</a:t>
+              <a:t>可以选择从光盘或硬盘启动，默认是硬盘启动</a:t>
             </a:r>
             <a:endParaRPr lang="en-US" altLang="zh-CN" dirty="0" smtClean="0"/>
           </a:p>
@@ -4137,11 +4189,7 @@
           <a:p>
             <a:r>
               <a:rPr lang="zh-CN" altLang="en-US" sz="2800" dirty="0" smtClean="0"/>
-              <a:t>方便</a:t>
-            </a:r>
-            <a:r>
-              <a:rPr lang="zh-CN" altLang="en-US" sz="2800" dirty="0" smtClean="0"/>
-              <a:t>管理</a:t>
+              <a:t>方便管理</a:t>
             </a:r>
             <a:endParaRPr lang="en-US" altLang="zh-CN" sz="2800" dirty="0" smtClean="0"/>
           </a:p>
@@ -5171,7 +5219,7 @@
               <a:buNone/>
             </a:pPr>
             <a:r>
-              <a:rPr lang="en-US" altLang="zh-CN" sz="2400" dirty="0" err="1" smtClean="0">
+              <a:rPr lang="en-US" altLang="zh-CN" dirty="0" err="1" smtClean="0">
                 <a:solidFill>
                   <a:srgbClr val="00B050"/>
                 </a:solidFill>
@@ -5179,7 +5227,7 @@
               <a:t>sudo</a:t>
             </a:r>
             <a:r>
-              <a:rPr lang="en-US" altLang="zh-CN" sz="2400" dirty="0" smtClean="0">
+              <a:rPr lang="en-US" altLang="zh-CN" dirty="0" smtClean="0">
                 <a:solidFill>
                   <a:srgbClr val="00B050"/>
                 </a:solidFill>
@@ -5187,7 +5235,7 @@
               <a:t>  </a:t>
             </a:r>
             <a:r>
-              <a:rPr lang="en-US" altLang="zh-CN" sz="2400" dirty="0" err="1" smtClean="0">
+              <a:rPr lang="en-US" altLang="zh-CN" dirty="0" err="1" smtClean="0">
                 <a:solidFill>
                   <a:srgbClr val="00B050"/>
                 </a:solidFill>
@@ -5195,7 +5243,7 @@
               <a:t>su</a:t>
             </a:r>
             <a:r>
-              <a:rPr lang="en-US" altLang="zh-CN" sz="2400" dirty="0" smtClean="0">
+              <a:rPr lang="en-US" altLang="zh-CN" dirty="0" smtClean="0">
                 <a:solidFill>
                   <a:srgbClr val="00B050"/>
                 </a:solidFill>
@@ -5208,7 +5256,7 @@
               <a:buNone/>
             </a:pPr>
             <a:r>
-              <a:rPr lang="en-US" altLang="zh-CN" sz="2400" dirty="0" err="1" smtClean="0">
+              <a:rPr lang="en-US" altLang="zh-CN" dirty="0" err="1" smtClean="0">
                 <a:solidFill>
                   <a:srgbClr val="00B050"/>
                 </a:solidFill>
@@ -5216,7 +5264,7 @@
               <a:t>wget</a:t>
             </a:r>
             <a:r>
-              <a:rPr lang="en-US" altLang="zh-CN" sz="2400" dirty="0" smtClean="0">
+              <a:rPr lang="en-US" altLang="zh-CN" dirty="0" smtClean="0">
                 <a:solidFill>
                   <a:srgbClr val="00B050"/>
                 </a:solidFill>
@@ -5229,53 +5277,42 @@
               <a:buNone/>
             </a:pPr>
             <a:r>
-              <a:rPr lang="en-US" altLang="zh-CN" sz="2400" dirty="0" smtClean="0">
+              <a:rPr lang="en-US" altLang="zh-CN" dirty="0" smtClean="0">
                 <a:solidFill>
                   <a:srgbClr val="00B050"/>
                 </a:solidFill>
               </a:rPr>
-              <a:t>bash   ./install-nginx.sh   yes   </a:t>
-            </a:r>
-            <a:r>
-              <a:rPr lang="en-US" altLang="zh-CN" sz="2400" dirty="0" smtClean="0">
+              <a:t>bash   ./install-</a:t>
+            </a:r>
+            <a:r>
+              <a:rPr lang="en-US" altLang="zh-CN" dirty="0" err="1" smtClean="0">
                 <a:solidFill>
                   <a:srgbClr val="00B050"/>
                 </a:solidFill>
               </a:rPr>
-              <a:t>0.0.0</a:t>
-            </a:r>
-            <a:r>
-              <a:rPr lang="en-US" altLang="zh-CN" sz="2400" dirty="0" smtClean="0">
+              <a:t>nginx.sh</a:t>
+            </a:r>
+            <a:r>
+              <a:rPr lang="en-US" altLang="zh-CN" dirty="0" smtClean="0">
                 <a:solidFill>
                   <a:srgbClr val="00B050"/>
                 </a:solidFill>
               </a:rPr>
-              <a:t>.0/0  email@edu.cn     </a:t>
-            </a:r>
-            <a:r>
-              <a:rPr lang="en-US" altLang="zh-CN" sz="2400" dirty="0" smtClean="0">
+              <a:t>  </a:t>
+            </a:r>
+            <a:r>
+              <a:rPr lang="en-US" altLang="zh-CN" dirty="0" smtClean="0">
                 <a:solidFill>
                   <a:srgbClr val="00B050"/>
                 </a:solidFill>
               </a:rPr>
-              <a:t>“</a:t>
-            </a:r>
-            <a:r>
-              <a:rPr lang="en-US" altLang="zh-CN" sz="2400" dirty="0" err="1" smtClean="0">
-                <a:solidFill>
-                  <a:srgbClr val="00B050"/>
-                </a:solidFill>
-              </a:rPr>
-              <a:t>MyName</a:t>
-            </a:r>
-            <a:r>
-              <a:rPr lang="en-US" altLang="zh-CN" sz="2400" dirty="0" smtClean="0">
-                <a:solidFill>
-                  <a:srgbClr val="00B050"/>
-                </a:solidFill>
-              </a:rPr>
-              <a:t>”</a:t>
-            </a:r>
+              <a:t> 0.0.0.0/0</a:t>
+            </a:r>
+            <a:endParaRPr lang="en-US" altLang="zh-CN" dirty="0" smtClean="0">
+              <a:solidFill>
+                <a:srgbClr val="00B050"/>
+              </a:solidFill>
+            </a:endParaRPr>
           </a:p>
           <a:p>
             <a:r>
@@ -6608,19 +6645,11 @@
             </a:r>
             <a:r>
               <a:rPr lang="en-US" altLang="zh-CN" sz="1800" dirty="0" smtClean="0"/>
-              <a:t>let’s </a:t>
-            </a:r>
-            <a:r>
-              <a:rPr lang="en-US" altLang="zh-CN" sz="1800" dirty="0" smtClean="0"/>
-              <a:t>encrypt</a:t>
+              <a:t>let’s encrypt</a:t>
             </a:r>
             <a:r>
               <a:rPr lang="zh-CN" altLang="en-US" sz="1800" dirty="0" smtClean="0"/>
-              <a:t>证书</a:t>
-            </a:r>
-            <a:r>
-              <a:rPr lang="zh-CN" altLang="en-US" sz="1800" dirty="0" smtClean="0"/>
-              <a:t>（</a:t>
+              <a:t>证书（</a:t>
             </a:r>
             <a:r>
               <a:rPr lang="en-US" altLang="zh-CN" sz="1800" dirty="0" smtClean="0"/>
@@ -6628,31 +6657,31 @@
             </a:r>
             <a:r>
               <a:rPr lang="zh-CN" altLang="en-US" sz="1800" dirty="0" smtClean="0"/>
-              <a:t>天有效</a:t>
-            </a:r>
+              <a:t>天有效）</a:t>
+            </a:r>
+            <a:endParaRPr lang="en-US" altLang="zh-CN" sz="1800" dirty="0" smtClean="0"/>
+          </a:p>
+          <a:p>
+            <a:pPr lvl="1"/>
             <a:r>
               <a:rPr lang="zh-CN" altLang="en-US" sz="1800" dirty="0" smtClean="0"/>
-              <a:t>）</a:t>
-            </a:r>
-            <a:endParaRPr lang="en-US" altLang="zh-CN" sz="1800" dirty="0" smtClean="0"/>
-          </a:p>
-          <a:p>
-            <a:pPr lvl="1"/>
+              <a:t>每</a:t>
+            </a:r>
+            <a:r>
+              <a:rPr lang="en-US" altLang="zh-CN" sz="1800" dirty="0" smtClean="0"/>
+              <a:t>7</a:t>
+            </a:r>
+            <a:r>
+              <a:rPr lang="zh-CN" altLang="en-US" sz="1800" dirty="0" smtClean="0"/>
+              <a:t>天</a:t>
+            </a:r>
             <a:r>
               <a:rPr lang="en-US" altLang="zh-CN" sz="1800" dirty="0" smtClean="0"/>
               <a:t>20</a:t>
             </a:r>
             <a:r>
               <a:rPr lang="zh-CN" altLang="en-US" sz="1800" dirty="0" smtClean="0"/>
-              <a:t>个</a:t>
-            </a:r>
-            <a:r>
-              <a:rPr lang="en-US" altLang="zh-CN" sz="1800" dirty="0" smtClean="0"/>
-              <a:t>/7</a:t>
-            </a:r>
-            <a:r>
-              <a:rPr lang="zh-CN" altLang="en-US" sz="1800" dirty="0" smtClean="0"/>
-              <a:t>天限制</a:t>
+              <a:t>个证书限制</a:t>
             </a:r>
             <a:endParaRPr lang="en-US" altLang="zh-CN" sz="1800" dirty="0" smtClean="0"/>
           </a:p>
@@ -7095,18 +7124,7 @@
                   </a:schemeClr>
                 </a:solidFill>
               </a:rPr>
-              <a:t>let’s </a:t>
-            </a:r>
-            <a:r>
-              <a:rPr lang="en-US" altLang="zh-CN" dirty="0" smtClean="0">
-                <a:solidFill>
-                  <a:schemeClr val="accent1">
-                    <a:lumMod val="20000"/>
-                    <a:lumOff val="80000"/>
-                  </a:schemeClr>
-                </a:solidFill>
-              </a:rPr>
-              <a:t>encrypt</a:t>
+              <a:t>let’s encrypt</a:t>
             </a:r>
             <a:endParaRPr lang="zh-CN" altLang="en-US" dirty="0">
               <a:solidFill>
@@ -7687,21 +7705,8 @@
                   <a:srgbClr val="7030A0"/>
                 </a:solidFill>
               </a:rPr>
-              <a:t>location /.well-known/ </a:t>
-            </a:r>
-            <a:r>
-              <a:rPr lang="en-US" altLang="zh-CN" dirty="0" smtClean="0">
-                <a:solidFill>
-                  <a:srgbClr val="7030A0"/>
-                </a:solidFill>
-              </a:rPr>
-              <a:t>{</a:t>
-            </a:r>
-            <a:endParaRPr lang="en-US" altLang="zh-CN" dirty="0" smtClean="0">
-              <a:solidFill>
-                <a:srgbClr val="7030A0"/>
-              </a:solidFill>
-            </a:endParaRPr>
+              <a:t>location /.well-known/ {</a:t>
+            </a:r>
           </a:p>
           <a:p>
             <a:pPr>
